--- a/db_final_prsentation/final_presentation-JBpc.pptx
+++ b/db_final_prsentation/final_presentation-JBpc.pptx
@@ -7942,38 +7942,6 @@
           </a:p>
         </p:txBody>
       </p:sp>
-      <p:sp>
-        <p:nvSpPr>
-          <p:cNvPr id="11" name="TextBox 10">
-            <a:extLst>
-              <a:ext uri="{FF2B5EF4-FFF2-40B4-BE49-F238E27FC236}">
-                <a16:creationId xmlns:a16="http://schemas.microsoft.com/office/drawing/2014/main" id="{C0EC3152-C089-79CD-AABA-502584BC2C15}"/>
-              </a:ext>
-            </a:extLst>
-          </p:cNvPr>
-          <p:cNvSpPr txBox="1"/>
-          <p:nvPr/>
-        </p:nvSpPr>
-        <p:spPr>
-          <a:xfrm>
-            <a:off x="3352800" y="983673"/>
-            <a:ext cx="184731" cy="369332"/>
-          </a:xfrm>
-          <a:prstGeom prst="rect">
-            <a:avLst/>
-          </a:prstGeom>
-          <a:noFill/>
-        </p:spPr>
-        <p:txBody>
-          <a:bodyPr wrap="none" rtlCol="0">
-            <a:spAutoFit/>
-          </a:bodyPr>
-          <a:lstStyle/>
-          <a:p>
-            <a:endParaRPr lang="el-GR" dirty="0"/>
-          </a:p>
-        </p:txBody>
-      </p:sp>
     </p:spTree>
     <p:extLst>
       <p:ext uri="{BB962C8B-B14F-4D97-AF65-F5344CB8AC3E}">
